--- a/Reliability Considerations for Quality Managers.pptx
+++ b/Reliability Considerations for Quality Managers.pptx
@@ -9701,7 +9701,6 @@
               </a:p>
             </c:rich>
           </c:tx>
-          <c:layout/>
           <c:overlay val="0"/>
           <c:spPr>
             <a:noFill/>
@@ -9820,7 +9819,6 @@
               </a:p>
             </c:rich>
           </c:tx>
-          <c:layout/>
           <c:overlay val="0"/>
           <c:spPr>
             <a:noFill/>
@@ -9924,7 +9922,6 @@
               </a:p>
             </c:rich>
           </c:tx>
-          <c:layout/>
           <c:overlay val="0"/>
           <c:spPr>
             <a:noFill/>
@@ -10021,7 +10018,6 @@
     </c:plotArea>
     <c:legend>
       <c:legendPos val="b"/>
-      <c:layout/>
       <c:overlay val="0"/>
       <c:spPr>
         <a:noFill/>
@@ -10770,7 +10766,7 @@
           <a:p>
             <a:fld id="{00D827D3-D96E-46AD-AF62-6F0611CDEB24}" type="datetimeFigureOut">
               <a:rPr lang="en-US" smtClean="0"/>
-              <a:t>10/15/2020</a:t>
+              <a:t>10/16/2020</a:t>
             </a:fld>
             <a:endParaRPr lang="en-US"/>
           </a:p>
@@ -10940,7 +10936,7 @@
           <a:p>
             <a:fld id="{00D827D3-D96E-46AD-AF62-6F0611CDEB24}" type="datetimeFigureOut">
               <a:rPr lang="en-US" smtClean="0"/>
-              <a:t>10/15/2020</a:t>
+              <a:t>10/16/2020</a:t>
             </a:fld>
             <a:endParaRPr lang="en-US"/>
           </a:p>
@@ -11120,7 +11116,7 @@
           <a:p>
             <a:fld id="{00D827D3-D96E-46AD-AF62-6F0611CDEB24}" type="datetimeFigureOut">
               <a:rPr lang="en-US" smtClean="0"/>
-              <a:t>10/15/2020</a:t>
+              <a:t>10/16/2020</a:t>
             </a:fld>
             <a:endParaRPr lang="en-US"/>
           </a:p>
@@ -11290,7 +11286,7 @@
           <a:p>
             <a:fld id="{00D827D3-D96E-46AD-AF62-6F0611CDEB24}" type="datetimeFigureOut">
               <a:rPr lang="en-US" smtClean="0"/>
-              <a:t>10/15/2020</a:t>
+              <a:t>10/16/2020</a:t>
             </a:fld>
             <a:endParaRPr lang="en-US"/>
           </a:p>
@@ -11536,7 +11532,7 @@
           <a:p>
             <a:fld id="{00D827D3-D96E-46AD-AF62-6F0611CDEB24}" type="datetimeFigureOut">
               <a:rPr lang="en-US" smtClean="0"/>
-              <a:t>10/15/2020</a:t>
+              <a:t>10/16/2020</a:t>
             </a:fld>
             <a:endParaRPr lang="en-US"/>
           </a:p>
@@ -11768,7 +11764,7 @@
           <a:p>
             <a:fld id="{00D827D3-D96E-46AD-AF62-6F0611CDEB24}" type="datetimeFigureOut">
               <a:rPr lang="en-US" smtClean="0"/>
-              <a:t>10/15/2020</a:t>
+              <a:t>10/16/2020</a:t>
             </a:fld>
             <a:endParaRPr lang="en-US"/>
           </a:p>
@@ -12135,7 +12131,7 @@
           <a:p>
             <a:fld id="{00D827D3-D96E-46AD-AF62-6F0611CDEB24}" type="datetimeFigureOut">
               <a:rPr lang="en-US" smtClean="0"/>
-              <a:t>10/15/2020</a:t>
+              <a:t>10/16/2020</a:t>
             </a:fld>
             <a:endParaRPr lang="en-US"/>
           </a:p>
@@ -12253,7 +12249,7 @@
           <a:p>
             <a:fld id="{00D827D3-D96E-46AD-AF62-6F0611CDEB24}" type="datetimeFigureOut">
               <a:rPr lang="en-US" smtClean="0"/>
-              <a:t>10/15/2020</a:t>
+              <a:t>10/16/2020</a:t>
             </a:fld>
             <a:endParaRPr lang="en-US"/>
           </a:p>
@@ -12348,7 +12344,7 @@
           <a:p>
             <a:fld id="{00D827D3-D96E-46AD-AF62-6F0611CDEB24}" type="datetimeFigureOut">
               <a:rPr lang="en-US" smtClean="0"/>
-              <a:t>10/15/2020</a:t>
+              <a:t>10/16/2020</a:t>
             </a:fld>
             <a:endParaRPr lang="en-US"/>
           </a:p>
@@ -12625,7 +12621,7 @@
           <a:p>
             <a:fld id="{00D827D3-D96E-46AD-AF62-6F0611CDEB24}" type="datetimeFigureOut">
               <a:rPr lang="en-US" smtClean="0"/>
-              <a:t>10/15/2020</a:t>
+              <a:t>10/16/2020</a:t>
             </a:fld>
             <a:endParaRPr lang="en-US"/>
           </a:p>
@@ -12878,7 +12874,7 @@
           <a:p>
             <a:fld id="{00D827D3-D96E-46AD-AF62-6F0611CDEB24}" type="datetimeFigureOut">
               <a:rPr lang="en-US" smtClean="0"/>
-              <a:t>10/15/2020</a:t>
+              <a:t>10/16/2020</a:t>
             </a:fld>
             <a:endParaRPr lang="en-US"/>
           </a:p>
@@ -13091,7 +13087,7 @@
           <a:p>
             <a:fld id="{00D827D3-D96E-46AD-AF62-6F0611CDEB24}" type="datetimeFigureOut">
               <a:rPr lang="en-US" smtClean="0"/>
-              <a:t>10/15/2020</a:t>
+              <a:t>10/16/2020</a:t>
             </a:fld>
             <a:endParaRPr lang="en-US"/>
           </a:p>
@@ -14337,6 +14333,50 @@
           </a:p>
         </p:txBody>
       </p:sp>
+      <p:sp>
+        <p:nvSpPr>
+          <p:cNvPr id="3" name="TextBox 2">
+            <a:hlinkClick r:id="rId2"/>
+          </p:cNvPr>
+          <p:cNvSpPr txBox="1"/>
+          <p:nvPr/>
+        </p:nvSpPr>
+        <p:spPr>
+          <a:xfrm>
+            <a:off x="1410789" y="1690688"/>
+            <a:ext cx="9849394" cy="369332"/>
+          </a:xfrm>
+          <a:prstGeom prst="rect">
+            <a:avLst/>
+          </a:prstGeom>
+          <a:noFill/>
+        </p:spPr>
+        <p:txBody>
+          <a:bodyPr wrap="square" rtlCol="0">
+            <a:spAutoFit/>
+          </a:bodyPr>
+          <a:lstStyle/>
+          <a:p>
+            <a:r>
+              <a:rPr lang="en-US" dirty="0">
+                <a:hlinkClick r:id="rId3"/>
+              </a:rPr>
+              <a:t>https://</a:t>
+            </a:r>
+            <a:r>
+              <a:rPr lang="en-US" dirty="0" smtClean="0">
+                <a:hlinkClick r:id="rId3"/>
+              </a:rPr>
+              <a:t>raw.githubusercontent.com/openrelia/ReliabilityForQualityManagers/</a:t>
+            </a:r>
+            <a:r>
+              <a:rPr lang="en-US" dirty="0" smtClean="0"/>
+              <a:t>Resources/O2DEL.html</a:t>
+            </a:r>
+            <a:endParaRPr lang="en-US" dirty="0"/>
+          </a:p>
+        </p:txBody>
+      </p:sp>
     </p:spTree>
     <p:extLst>
       <p:ext uri="{BB962C8B-B14F-4D97-AF65-F5344CB8AC3E}">

--- a/Reliability Considerations for Quality Managers.pptx
+++ b/Reliability Considerations for Quality Managers.pptx
@@ -14367,11 +14367,7 @@
               <a:rPr lang="en-US" dirty="0" smtClean="0">
                 <a:hlinkClick r:id="rId3"/>
               </a:rPr>
-              <a:t>raw.githubusercontent.com/openrelia/ReliabilityForQualityManagers/</a:t>
-            </a:r>
-            <a:r>
-              <a:rPr lang="en-US" dirty="0" smtClean="0"/>
-              <a:t>Resources/O2DEL.html</a:t>
+              <a:t>raw.githubusercontent.com/openrelia/ReliabilityForQualityManagers/Resources/O2DEL.html</a:t>
             </a:r>
             <a:endParaRPr lang="en-US" dirty="0"/>
           </a:p>
